--- a/slides/Dutch Azure Meetup - Data Factory.pptx
+++ b/slides/Dutch Azure Meetup - Data Factory.pptx
@@ -7759,7 +7759,7 @@
         </p:blipFill>
         <p:spPr>
           <a:xfrm>
-            <a:off x="6454746" y="3542813"/>
+            <a:off x="5817586" y="3542813"/>
             <a:ext cx="3996001" cy="2507732"/>
           </a:xfrm>
           <a:prstGeom prst="rect">
